--- a/emr_ppt.pptx
+++ b/emr_ppt.pptx
@@ -224,7 +224,7 @@
           <a:p>
             <a:fld id="{9F90E094-A772-4C29-AE88-89AD2AD971F6}" type="datetimeFigureOut">
               <a:rPr lang="zh-TW" altLang="en-US" smtClean="0"/>
-              <a:t>2019/8/21</a:t>
+              <a:t>2019/8/22</a:t>
             </a:fld>
             <a:endParaRPr lang="zh-TW" altLang="en-US"/>
           </a:p>
@@ -288,38 +288,37 @@
           <a:p>
             <a:pPr lvl="0"/>
             <a:r>
-              <a:rPr lang="zh-TW" altLang="en-US" smtClean="0"/>
+              <a:rPr lang="zh-TW" altLang="en-US"/>
               <a:t>編輯母片文字樣式</a:t>
             </a:r>
           </a:p>
           <a:p>
             <a:pPr lvl="1"/>
             <a:r>
-              <a:rPr lang="zh-TW" altLang="en-US" smtClean="0"/>
+              <a:rPr lang="zh-TW" altLang="en-US"/>
               <a:t>第二層</a:t>
             </a:r>
           </a:p>
           <a:p>
             <a:pPr lvl="2"/>
             <a:r>
-              <a:rPr lang="zh-TW" altLang="en-US" smtClean="0"/>
+              <a:rPr lang="zh-TW" altLang="en-US"/>
               <a:t>第三層</a:t>
             </a:r>
           </a:p>
           <a:p>
             <a:pPr lvl="3"/>
             <a:r>
-              <a:rPr lang="zh-TW" altLang="en-US" smtClean="0"/>
+              <a:rPr lang="zh-TW" altLang="en-US"/>
               <a:t>第四層</a:t>
             </a:r>
           </a:p>
           <a:p>
             <a:pPr lvl="4"/>
             <a:r>
-              <a:rPr lang="zh-TW" altLang="en-US" smtClean="0"/>
+              <a:rPr lang="zh-TW" altLang="en-US"/>
               <a:t>第五層</a:t>
             </a:r>
-            <a:endParaRPr lang="zh-TW" altLang="en-US"/>
           </a:p>
         </p:txBody>
       </p:sp>
@@ -536,7 +535,7 @@
           <a:bodyPr/>
           <a:lstStyle/>
           <a:p>
-            <a:endParaRPr lang="en-US" altLang="zh-TW" baseline="0" dirty="0" smtClean="0"/>
+            <a:endParaRPr lang="en-US" altLang="zh-TW" baseline="0" dirty="0"/>
           </a:p>
         </p:txBody>
       </p:sp>
@@ -621,50 +620,50 @@
           <a:lstStyle/>
           <a:p>
             <a:r>
-              <a:rPr lang="zh-TW" altLang="en-US" dirty="0" smtClean="0"/>
+              <a:rPr lang="zh-TW" altLang="en-US" dirty="0"/>
               <a:t>在文章中提及</a:t>
             </a:r>
             <a:r>
-              <a:rPr lang="en-US" altLang="zh-TW" dirty="0" smtClean="0"/>
+              <a:rPr lang="en-US" altLang="zh-TW" dirty="0"/>
               <a:t>,</a:t>
             </a:r>
             <a:r>
-              <a:rPr lang="zh-TW" altLang="en-US" dirty="0" smtClean="0"/>
+              <a:rPr lang="zh-TW" altLang="en-US" dirty="0"/>
               <a:t> </a:t>
             </a:r>
             <a:r>
-              <a:rPr lang="en-US" altLang="zh-TW" dirty="0" smtClean="0"/>
+              <a:rPr lang="en-US" altLang="zh-TW" dirty="0"/>
               <a:t>T</a:t>
             </a:r>
             <a:r>
-              <a:rPr lang="zh-TW" altLang="en-US" dirty="0" smtClean="0"/>
+              <a:rPr lang="zh-TW" altLang="en-US" dirty="0"/>
               <a:t> </a:t>
             </a:r>
             <a:r>
-              <a:rPr lang="en-US" altLang="zh-TW" dirty="0" smtClean="0"/>
+              <a:rPr lang="en-US" altLang="zh-TW" dirty="0"/>
               <a:t>or F </a:t>
             </a:r>
             <a:r>
-              <a:rPr lang="zh-TW" altLang="en-US" dirty="0" smtClean="0"/>
+              <a:rPr lang="zh-TW" altLang="en-US" dirty="0"/>
               <a:t>使用者可以自己設定門檻</a:t>
             </a:r>
-            <a:endParaRPr lang="en-US" altLang="zh-TW" dirty="0" smtClean="0"/>
-          </a:p>
-          <a:p>
-            <a:r>
-              <a:rPr lang="zh-TW" altLang="en-US" dirty="0" smtClean="0"/>
+            <a:endParaRPr lang="en-US" altLang="zh-TW" dirty="0"/>
+          </a:p>
+          <a:p>
+            <a:r>
+              <a:rPr lang="zh-TW" altLang="en-US" dirty="0"/>
               <a:t>並提供</a:t>
             </a:r>
             <a:r>
-              <a:rPr lang="en-US" altLang="zh-TW" dirty="0" smtClean="0"/>
+              <a:rPr lang="en-US" altLang="zh-TW" dirty="0"/>
               <a:t>sample</a:t>
             </a:r>
             <a:r>
-              <a:rPr lang="zh-TW" altLang="en-US" dirty="0" smtClean="0"/>
+              <a:rPr lang="zh-TW" altLang="en-US" dirty="0"/>
               <a:t> </a:t>
             </a:r>
             <a:r>
-              <a:rPr lang="en-US" altLang="zh-TW" dirty="0" smtClean="0"/>
+              <a:rPr lang="en-US" altLang="zh-TW" dirty="0"/>
               <a:t>code</a:t>
             </a:r>
             <a:endParaRPr lang="zh-TW" altLang="en-US" dirty="0"/>
@@ -1356,12 +1355,8 @@
           <a:bodyPr/>
           <a:lstStyle/>
           <a:p>
-            <a:r>
-              <a:rPr lang="en-US" altLang="zh-TW" dirty="0" smtClean="0"/>
-              <a:t/>
-            </a:r>
             <a:br>
-              <a:rPr lang="en-US" altLang="zh-TW" dirty="0" smtClean="0"/>
+              <a:rPr lang="en-US" altLang="zh-TW" dirty="0"/>
             </a:br>
             <a:endParaRPr lang="zh-TW" altLang="en-US" dirty="0"/>
           </a:p>
@@ -1529,10 +1524,9 @@
           </a:lstStyle>
           <a:p>
             <a:r>
-              <a:rPr lang="zh-TW" altLang="en-US" smtClean="0"/>
+              <a:rPr lang="zh-TW" altLang="en-US"/>
               <a:t>按一下以編輯母片標題樣式</a:t>
             </a:r>
-            <a:endParaRPr lang="zh-TW" altLang="en-US"/>
           </a:p>
         </p:txBody>
       </p:sp>
@@ -1594,10 +1588,9 @@
           </a:lstStyle>
           <a:p>
             <a:r>
-              <a:rPr lang="zh-TW" altLang="en-US" smtClean="0"/>
+              <a:rPr lang="zh-TW" altLang="en-US"/>
               <a:t>按一下以編輯母片副標題樣式</a:t>
             </a:r>
-            <a:endParaRPr lang="zh-TW" altLang="en-US"/>
           </a:p>
         </p:txBody>
       </p:sp>
@@ -1618,7 +1611,7 @@
           <a:p>
             <a:fld id="{A9B786D7-9F72-4347-8A29-14982C8F55D7}" type="datetime1">
               <a:rPr lang="zh-TW" altLang="en-US" smtClean="0"/>
-              <a:t>2019/8/21</a:t>
+              <a:t>2019/8/22</a:t>
             </a:fld>
             <a:endParaRPr lang="zh-TW" altLang="en-US"/>
           </a:p>
@@ -1712,10 +1705,9 @@
           <a:lstStyle/>
           <a:p>
             <a:r>
-              <a:rPr lang="zh-TW" altLang="en-US" smtClean="0"/>
+              <a:rPr lang="zh-TW" altLang="en-US"/>
               <a:t>按一下以編輯母片標題樣式</a:t>
             </a:r>
-            <a:endParaRPr lang="zh-TW" altLang="en-US"/>
           </a:p>
         </p:txBody>
       </p:sp>
@@ -1736,38 +1728,37 @@
           <a:p>
             <a:pPr lvl="0"/>
             <a:r>
-              <a:rPr lang="zh-TW" altLang="en-US" smtClean="0"/>
+              <a:rPr lang="zh-TW" altLang="en-US"/>
               <a:t>編輯母片文字樣式</a:t>
             </a:r>
           </a:p>
           <a:p>
             <a:pPr lvl="1"/>
             <a:r>
-              <a:rPr lang="zh-TW" altLang="en-US" smtClean="0"/>
+              <a:rPr lang="zh-TW" altLang="en-US"/>
               <a:t>第二層</a:t>
             </a:r>
           </a:p>
           <a:p>
             <a:pPr lvl="2"/>
             <a:r>
-              <a:rPr lang="zh-TW" altLang="en-US" smtClean="0"/>
+              <a:rPr lang="zh-TW" altLang="en-US"/>
               <a:t>第三層</a:t>
             </a:r>
           </a:p>
           <a:p>
             <a:pPr lvl="3"/>
             <a:r>
-              <a:rPr lang="zh-TW" altLang="en-US" smtClean="0"/>
+              <a:rPr lang="zh-TW" altLang="en-US"/>
               <a:t>第四層</a:t>
             </a:r>
           </a:p>
           <a:p>
             <a:pPr lvl="4"/>
             <a:r>
-              <a:rPr lang="zh-TW" altLang="en-US" smtClean="0"/>
+              <a:rPr lang="zh-TW" altLang="en-US"/>
               <a:t>第五層</a:t>
             </a:r>
-            <a:endParaRPr lang="zh-TW" altLang="en-US"/>
           </a:p>
         </p:txBody>
       </p:sp>
@@ -1788,7 +1779,7 @@
           <a:p>
             <a:fld id="{B7E0ADA1-C418-4875-9EC6-B351CB3CBF74}" type="datetime1">
               <a:rPr lang="zh-TW" altLang="en-US" smtClean="0"/>
-              <a:t>2019/8/21</a:t>
+              <a:t>2019/8/22</a:t>
             </a:fld>
             <a:endParaRPr lang="zh-TW" altLang="en-US"/>
           </a:p>
@@ -1887,10 +1878,9 @@
           <a:lstStyle/>
           <a:p>
             <a:r>
-              <a:rPr lang="zh-TW" altLang="en-US" smtClean="0"/>
+              <a:rPr lang="zh-TW" altLang="en-US"/>
               <a:t>按一下以編輯母片標題樣式</a:t>
             </a:r>
-            <a:endParaRPr lang="zh-TW" altLang="en-US"/>
           </a:p>
         </p:txBody>
       </p:sp>
@@ -1916,38 +1906,37 @@
           <a:p>
             <a:pPr lvl="0"/>
             <a:r>
-              <a:rPr lang="zh-TW" altLang="en-US" smtClean="0"/>
+              <a:rPr lang="zh-TW" altLang="en-US"/>
               <a:t>編輯母片文字樣式</a:t>
             </a:r>
           </a:p>
           <a:p>
             <a:pPr lvl="1"/>
             <a:r>
-              <a:rPr lang="zh-TW" altLang="en-US" smtClean="0"/>
+              <a:rPr lang="zh-TW" altLang="en-US"/>
               <a:t>第二層</a:t>
             </a:r>
           </a:p>
           <a:p>
             <a:pPr lvl="2"/>
             <a:r>
-              <a:rPr lang="zh-TW" altLang="en-US" smtClean="0"/>
+              <a:rPr lang="zh-TW" altLang="en-US"/>
               <a:t>第三層</a:t>
             </a:r>
           </a:p>
           <a:p>
             <a:pPr lvl="3"/>
             <a:r>
-              <a:rPr lang="zh-TW" altLang="en-US" smtClean="0"/>
+              <a:rPr lang="zh-TW" altLang="en-US"/>
               <a:t>第四層</a:t>
             </a:r>
           </a:p>
           <a:p>
             <a:pPr lvl="4"/>
             <a:r>
-              <a:rPr lang="zh-TW" altLang="en-US" smtClean="0"/>
+              <a:rPr lang="zh-TW" altLang="en-US"/>
               <a:t>第五層</a:t>
             </a:r>
-            <a:endParaRPr lang="zh-TW" altLang="en-US"/>
           </a:p>
         </p:txBody>
       </p:sp>
@@ -1968,7 +1957,7 @@
           <a:p>
             <a:fld id="{E6FC5CF4-5620-42A6-9909-6526BC98448F}" type="datetime1">
               <a:rPr lang="zh-TW" altLang="en-US" smtClean="0"/>
-              <a:t>2019/8/21</a:t>
+              <a:t>2019/8/22</a:t>
             </a:fld>
             <a:endParaRPr lang="zh-TW" altLang="en-US"/>
           </a:p>
@@ -2062,10 +2051,9 @@
           <a:lstStyle/>
           <a:p>
             <a:r>
-              <a:rPr lang="zh-TW" altLang="en-US" smtClean="0"/>
+              <a:rPr lang="zh-TW" altLang="en-US"/>
               <a:t>按一下以編輯母片標題樣式</a:t>
             </a:r>
-            <a:endParaRPr lang="zh-TW" altLang="en-US"/>
           </a:p>
         </p:txBody>
       </p:sp>
@@ -2086,38 +2074,37 @@
           <a:p>
             <a:pPr lvl="0"/>
             <a:r>
-              <a:rPr lang="zh-TW" altLang="en-US" smtClean="0"/>
+              <a:rPr lang="zh-TW" altLang="en-US"/>
               <a:t>編輯母片文字樣式</a:t>
             </a:r>
           </a:p>
           <a:p>
             <a:pPr lvl="1"/>
             <a:r>
-              <a:rPr lang="zh-TW" altLang="en-US" smtClean="0"/>
+              <a:rPr lang="zh-TW" altLang="en-US"/>
               <a:t>第二層</a:t>
             </a:r>
           </a:p>
           <a:p>
             <a:pPr lvl="2"/>
             <a:r>
-              <a:rPr lang="zh-TW" altLang="en-US" smtClean="0"/>
+              <a:rPr lang="zh-TW" altLang="en-US"/>
               <a:t>第三層</a:t>
             </a:r>
           </a:p>
           <a:p>
             <a:pPr lvl="3"/>
             <a:r>
-              <a:rPr lang="zh-TW" altLang="en-US" smtClean="0"/>
+              <a:rPr lang="zh-TW" altLang="en-US"/>
               <a:t>第四層</a:t>
             </a:r>
           </a:p>
           <a:p>
             <a:pPr lvl="4"/>
             <a:r>
-              <a:rPr lang="zh-TW" altLang="en-US" smtClean="0"/>
+              <a:rPr lang="zh-TW" altLang="en-US"/>
               <a:t>第五層</a:t>
             </a:r>
-            <a:endParaRPr lang="zh-TW" altLang="en-US"/>
           </a:p>
         </p:txBody>
       </p:sp>
@@ -2138,7 +2125,7 @@
           <a:p>
             <a:fld id="{8005BB1F-86F4-4A0E-B903-1F4E76693B98}" type="datetime1">
               <a:rPr lang="zh-TW" altLang="en-US" smtClean="0"/>
-              <a:t>2019/8/21</a:t>
+              <a:t>2019/8/22</a:t>
             </a:fld>
             <a:endParaRPr lang="zh-TW" altLang="en-US"/>
           </a:p>
@@ -2241,10 +2228,9 @@
           </a:lstStyle>
           <a:p>
             <a:r>
-              <a:rPr lang="zh-TW" altLang="en-US" smtClean="0"/>
+              <a:rPr lang="zh-TW" altLang="en-US"/>
               <a:t>按一下以編輯母片標題樣式</a:t>
             </a:r>
-            <a:endParaRPr lang="zh-TW" altLang="en-US"/>
           </a:p>
         </p:txBody>
       </p:sp>
@@ -2361,7 +2347,7 @@
           <a:p>
             <a:pPr lvl="0"/>
             <a:r>
-              <a:rPr lang="zh-TW" altLang="en-US" smtClean="0"/>
+              <a:rPr lang="zh-TW" altLang="en-US"/>
               <a:t>編輯母片文字樣式</a:t>
             </a:r>
           </a:p>
@@ -2384,7 +2370,7 @@
           <a:p>
             <a:fld id="{C8E400C7-9216-4042-BD16-F07CB269F32C}" type="datetime1">
               <a:rPr lang="zh-TW" altLang="en-US" smtClean="0"/>
-              <a:t>2019/8/21</a:t>
+              <a:t>2019/8/22</a:t>
             </a:fld>
             <a:endParaRPr lang="zh-TW" altLang="en-US"/>
           </a:p>
@@ -2478,10 +2464,9 @@
           <a:lstStyle/>
           <a:p>
             <a:r>
-              <a:rPr lang="zh-TW" altLang="en-US" smtClean="0"/>
+              <a:rPr lang="zh-TW" altLang="en-US"/>
               <a:t>按一下以編輯母片標題樣式</a:t>
             </a:r>
-            <a:endParaRPr lang="zh-TW" altLang="en-US"/>
           </a:p>
         </p:txBody>
       </p:sp>
@@ -2507,38 +2492,37 @@
           <a:p>
             <a:pPr lvl="0"/>
             <a:r>
-              <a:rPr lang="zh-TW" altLang="en-US" smtClean="0"/>
+              <a:rPr lang="zh-TW" altLang="en-US"/>
               <a:t>編輯母片文字樣式</a:t>
             </a:r>
           </a:p>
           <a:p>
             <a:pPr lvl="1"/>
             <a:r>
-              <a:rPr lang="zh-TW" altLang="en-US" smtClean="0"/>
+              <a:rPr lang="zh-TW" altLang="en-US"/>
               <a:t>第二層</a:t>
             </a:r>
           </a:p>
           <a:p>
             <a:pPr lvl="2"/>
             <a:r>
-              <a:rPr lang="zh-TW" altLang="en-US" smtClean="0"/>
+              <a:rPr lang="zh-TW" altLang="en-US"/>
               <a:t>第三層</a:t>
             </a:r>
           </a:p>
           <a:p>
             <a:pPr lvl="3"/>
             <a:r>
-              <a:rPr lang="zh-TW" altLang="en-US" smtClean="0"/>
+              <a:rPr lang="zh-TW" altLang="en-US"/>
               <a:t>第四層</a:t>
             </a:r>
           </a:p>
           <a:p>
             <a:pPr lvl="4"/>
             <a:r>
-              <a:rPr lang="zh-TW" altLang="en-US" smtClean="0"/>
+              <a:rPr lang="zh-TW" altLang="en-US"/>
               <a:t>第五層</a:t>
             </a:r>
-            <a:endParaRPr lang="zh-TW" altLang="en-US"/>
           </a:p>
         </p:txBody>
       </p:sp>
@@ -2564,38 +2548,37 @@
           <a:p>
             <a:pPr lvl="0"/>
             <a:r>
-              <a:rPr lang="zh-TW" altLang="en-US" smtClean="0"/>
+              <a:rPr lang="zh-TW" altLang="en-US"/>
               <a:t>編輯母片文字樣式</a:t>
             </a:r>
           </a:p>
           <a:p>
             <a:pPr lvl="1"/>
             <a:r>
-              <a:rPr lang="zh-TW" altLang="en-US" smtClean="0"/>
+              <a:rPr lang="zh-TW" altLang="en-US"/>
               <a:t>第二層</a:t>
             </a:r>
           </a:p>
           <a:p>
             <a:pPr lvl="2"/>
             <a:r>
-              <a:rPr lang="zh-TW" altLang="en-US" smtClean="0"/>
+              <a:rPr lang="zh-TW" altLang="en-US"/>
               <a:t>第三層</a:t>
             </a:r>
           </a:p>
           <a:p>
             <a:pPr lvl="3"/>
             <a:r>
-              <a:rPr lang="zh-TW" altLang="en-US" smtClean="0"/>
+              <a:rPr lang="zh-TW" altLang="en-US"/>
               <a:t>第四層</a:t>
             </a:r>
           </a:p>
           <a:p>
             <a:pPr lvl="4"/>
             <a:r>
-              <a:rPr lang="zh-TW" altLang="en-US" smtClean="0"/>
+              <a:rPr lang="zh-TW" altLang="en-US"/>
               <a:t>第五層</a:t>
             </a:r>
-            <a:endParaRPr lang="zh-TW" altLang="en-US"/>
           </a:p>
         </p:txBody>
       </p:sp>
@@ -2616,7 +2599,7 @@
           <a:p>
             <a:fld id="{BD09B2D3-0F12-48ED-89EB-50025CBE1B5D}" type="datetime1">
               <a:rPr lang="zh-TW" altLang="en-US" smtClean="0"/>
-              <a:t>2019/8/21</a:t>
+              <a:t>2019/8/22</a:t>
             </a:fld>
             <a:endParaRPr lang="zh-TW" altLang="en-US"/>
           </a:p>
@@ -2715,10 +2698,9 @@
           <a:lstStyle/>
           <a:p>
             <a:r>
-              <a:rPr lang="zh-TW" altLang="en-US" smtClean="0"/>
+              <a:rPr lang="zh-TW" altLang="en-US"/>
               <a:t>按一下以編輯母片標題樣式</a:t>
             </a:r>
-            <a:endParaRPr lang="zh-TW" altLang="en-US"/>
           </a:p>
         </p:txBody>
       </p:sp>
@@ -2781,7 +2763,7 @@
           <a:p>
             <a:pPr lvl="0"/>
             <a:r>
-              <a:rPr lang="zh-TW" altLang="en-US" smtClean="0"/>
+              <a:rPr lang="zh-TW" altLang="en-US"/>
               <a:t>編輯母片文字樣式</a:t>
             </a:r>
           </a:p>
@@ -2809,38 +2791,37 @@
           <a:p>
             <a:pPr lvl="0"/>
             <a:r>
-              <a:rPr lang="zh-TW" altLang="en-US" smtClean="0"/>
+              <a:rPr lang="zh-TW" altLang="en-US"/>
               <a:t>編輯母片文字樣式</a:t>
             </a:r>
           </a:p>
           <a:p>
             <a:pPr lvl="1"/>
             <a:r>
-              <a:rPr lang="zh-TW" altLang="en-US" smtClean="0"/>
+              <a:rPr lang="zh-TW" altLang="en-US"/>
               <a:t>第二層</a:t>
             </a:r>
           </a:p>
           <a:p>
             <a:pPr lvl="2"/>
             <a:r>
-              <a:rPr lang="zh-TW" altLang="en-US" smtClean="0"/>
+              <a:rPr lang="zh-TW" altLang="en-US"/>
               <a:t>第三層</a:t>
             </a:r>
           </a:p>
           <a:p>
             <a:pPr lvl="3"/>
             <a:r>
-              <a:rPr lang="zh-TW" altLang="en-US" smtClean="0"/>
+              <a:rPr lang="zh-TW" altLang="en-US"/>
               <a:t>第四層</a:t>
             </a:r>
           </a:p>
           <a:p>
             <a:pPr lvl="4"/>
             <a:r>
-              <a:rPr lang="zh-TW" altLang="en-US" smtClean="0"/>
+              <a:rPr lang="zh-TW" altLang="en-US"/>
               <a:t>第五層</a:t>
             </a:r>
-            <a:endParaRPr lang="zh-TW" altLang="en-US"/>
           </a:p>
         </p:txBody>
       </p:sp>
@@ -2903,7 +2884,7 @@
           <a:p>
             <a:pPr lvl="0"/>
             <a:r>
-              <a:rPr lang="zh-TW" altLang="en-US" smtClean="0"/>
+              <a:rPr lang="zh-TW" altLang="en-US"/>
               <a:t>編輯母片文字樣式</a:t>
             </a:r>
           </a:p>
@@ -2931,38 +2912,37 @@
           <a:p>
             <a:pPr lvl="0"/>
             <a:r>
-              <a:rPr lang="zh-TW" altLang="en-US" smtClean="0"/>
+              <a:rPr lang="zh-TW" altLang="en-US"/>
               <a:t>編輯母片文字樣式</a:t>
             </a:r>
           </a:p>
           <a:p>
             <a:pPr lvl="1"/>
             <a:r>
-              <a:rPr lang="zh-TW" altLang="en-US" smtClean="0"/>
+              <a:rPr lang="zh-TW" altLang="en-US"/>
               <a:t>第二層</a:t>
             </a:r>
           </a:p>
           <a:p>
             <a:pPr lvl="2"/>
             <a:r>
-              <a:rPr lang="zh-TW" altLang="en-US" smtClean="0"/>
+              <a:rPr lang="zh-TW" altLang="en-US"/>
               <a:t>第三層</a:t>
             </a:r>
           </a:p>
           <a:p>
             <a:pPr lvl="3"/>
             <a:r>
-              <a:rPr lang="zh-TW" altLang="en-US" smtClean="0"/>
+              <a:rPr lang="zh-TW" altLang="en-US"/>
               <a:t>第四層</a:t>
             </a:r>
           </a:p>
           <a:p>
             <a:pPr lvl="4"/>
             <a:r>
-              <a:rPr lang="zh-TW" altLang="en-US" smtClean="0"/>
+              <a:rPr lang="zh-TW" altLang="en-US"/>
               <a:t>第五層</a:t>
             </a:r>
-            <a:endParaRPr lang="zh-TW" altLang="en-US"/>
           </a:p>
         </p:txBody>
       </p:sp>
@@ -2983,7 +2963,7 @@
           <a:p>
             <a:fld id="{9887A490-5657-422C-9237-2248BD952586}" type="datetime1">
               <a:rPr lang="zh-TW" altLang="en-US" smtClean="0"/>
-              <a:t>2019/8/21</a:t>
+              <a:t>2019/8/22</a:t>
             </a:fld>
             <a:endParaRPr lang="zh-TW" altLang="en-US"/>
           </a:p>
@@ -3077,10 +3057,9 @@
           <a:lstStyle/>
           <a:p>
             <a:r>
-              <a:rPr lang="zh-TW" altLang="en-US" smtClean="0"/>
+              <a:rPr lang="zh-TW" altLang="en-US"/>
               <a:t>按一下以編輯母片標題樣式</a:t>
             </a:r>
-            <a:endParaRPr lang="zh-TW" altLang="en-US"/>
           </a:p>
         </p:txBody>
       </p:sp>
@@ -3101,7 +3080,7 @@
           <a:p>
             <a:fld id="{6086D8D7-A9C9-4B14-B315-68777E8DBDF4}" type="datetime1">
               <a:rPr lang="zh-TW" altLang="en-US" smtClean="0"/>
-              <a:t>2019/8/21</a:t>
+              <a:t>2019/8/22</a:t>
             </a:fld>
             <a:endParaRPr lang="zh-TW" altLang="en-US"/>
           </a:p>
@@ -3196,7 +3175,7 @@
           <a:p>
             <a:fld id="{66555F94-B265-49D8-B325-AE45689BE768}" type="datetime1">
               <a:rPr lang="zh-TW" altLang="en-US" smtClean="0"/>
-              <a:t>2019/8/21</a:t>
+              <a:t>2019/8/22</a:t>
             </a:fld>
             <a:endParaRPr lang="zh-TW" altLang="en-US"/>
           </a:p>
@@ -3299,10 +3278,9 @@
           </a:lstStyle>
           <a:p>
             <a:r>
-              <a:rPr lang="zh-TW" altLang="en-US" smtClean="0"/>
+              <a:rPr lang="zh-TW" altLang="en-US"/>
               <a:t>按一下以編輯母片標題樣式</a:t>
             </a:r>
-            <a:endParaRPr lang="zh-TW" altLang="en-US"/>
           </a:p>
         </p:txBody>
       </p:sp>
@@ -3356,38 +3334,37 @@
           <a:p>
             <a:pPr lvl="0"/>
             <a:r>
-              <a:rPr lang="zh-TW" altLang="en-US" smtClean="0"/>
+              <a:rPr lang="zh-TW" altLang="en-US"/>
               <a:t>編輯母片文字樣式</a:t>
             </a:r>
           </a:p>
           <a:p>
             <a:pPr lvl="1"/>
             <a:r>
-              <a:rPr lang="zh-TW" altLang="en-US" smtClean="0"/>
+              <a:rPr lang="zh-TW" altLang="en-US"/>
               <a:t>第二層</a:t>
             </a:r>
           </a:p>
           <a:p>
             <a:pPr lvl="2"/>
             <a:r>
-              <a:rPr lang="zh-TW" altLang="en-US" smtClean="0"/>
+              <a:rPr lang="zh-TW" altLang="en-US"/>
               <a:t>第三層</a:t>
             </a:r>
           </a:p>
           <a:p>
             <a:pPr lvl="3"/>
             <a:r>
-              <a:rPr lang="zh-TW" altLang="en-US" smtClean="0"/>
+              <a:rPr lang="zh-TW" altLang="en-US"/>
               <a:t>第四層</a:t>
             </a:r>
           </a:p>
           <a:p>
             <a:pPr lvl="4"/>
             <a:r>
-              <a:rPr lang="zh-TW" altLang="en-US" smtClean="0"/>
+              <a:rPr lang="zh-TW" altLang="en-US"/>
               <a:t>第五層</a:t>
             </a:r>
-            <a:endParaRPr lang="zh-TW" altLang="en-US"/>
           </a:p>
         </p:txBody>
       </p:sp>
@@ -3450,7 +3427,7 @@
           <a:p>
             <a:pPr lvl="0"/>
             <a:r>
-              <a:rPr lang="zh-TW" altLang="en-US" smtClean="0"/>
+              <a:rPr lang="zh-TW" altLang="en-US"/>
               <a:t>編輯母片文字樣式</a:t>
             </a:r>
           </a:p>
@@ -3473,7 +3450,7 @@
           <a:p>
             <a:fld id="{8F207B87-BC06-44ED-A1A3-C2CEBC90456F}" type="datetime1">
               <a:rPr lang="zh-TW" altLang="en-US" smtClean="0"/>
-              <a:t>2019/8/21</a:t>
+              <a:t>2019/8/22</a:t>
             </a:fld>
             <a:endParaRPr lang="zh-TW" altLang="en-US"/>
           </a:p>
@@ -3576,10 +3553,9 @@
           </a:lstStyle>
           <a:p>
             <a:r>
-              <a:rPr lang="zh-TW" altLang="en-US" smtClean="0"/>
+              <a:rPr lang="zh-TW" altLang="en-US"/>
               <a:t>按一下以編輯母片標題樣式</a:t>
             </a:r>
-            <a:endParaRPr lang="zh-TW" altLang="en-US"/>
           </a:p>
         </p:txBody>
       </p:sp>
@@ -3703,7 +3679,7 @@
           <a:p>
             <a:pPr lvl="0"/>
             <a:r>
-              <a:rPr lang="zh-TW" altLang="en-US" smtClean="0"/>
+              <a:rPr lang="zh-TW" altLang="en-US"/>
               <a:t>編輯母片文字樣式</a:t>
             </a:r>
           </a:p>
@@ -3726,7 +3702,7 @@
           <a:p>
             <a:fld id="{34561D1D-4A4F-46C0-89B9-2BC1E3D9B992}" type="datetime1">
               <a:rPr lang="zh-TW" altLang="en-US" smtClean="0"/>
-              <a:t>2019/8/21</a:t>
+              <a:t>2019/8/22</a:t>
             </a:fld>
             <a:endParaRPr lang="zh-TW" altLang="en-US"/>
           </a:p>
@@ -3835,10 +3811,9 @@
           <a:lstStyle/>
           <a:p>
             <a:r>
-              <a:rPr lang="zh-TW" altLang="en-US" smtClean="0"/>
+              <a:rPr lang="zh-TW" altLang="en-US"/>
               <a:t>按一下以編輯母片標題樣式</a:t>
             </a:r>
-            <a:endParaRPr lang="zh-TW" altLang="en-US"/>
           </a:p>
         </p:txBody>
       </p:sp>
@@ -3869,38 +3844,37 @@
           <a:p>
             <a:pPr lvl="0"/>
             <a:r>
-              <a:rPr lang="zh-TW" altLang="en-US" smtClean="0"/>
+              <a:rPr lang="zh-TW" altLang="en-US"/>
               <a:t>編輯母片文字樣式</a:t>
             </a:r>
           </a:p>
           <a:p>
             <a:pPr lvl="1"/>
             <a:r>
-              <a:rPr lang="zh-TW" altLang="en-US" smtClean="0"/>
+              <a:rPr lang="zh-TW" altLang="en-US"/>
               <a:t>第二層</a:t>
             </a:r>
           </a:p>
           <a:p>
             <a:pPr lvl="2"/>
             <a:r>
-              <a:rPr lang="zh-TW" altLang="en-US" smtClean="0"/>
+              <a:rPr lang="zh-TW" altLang="en-US"/>
               <a:t>第三層</a:t>
             </a:r>
           </a:p>
           <a:p>
             <a:pPr lvl="3"/>
             <a:r>
-              <a:rPr lang="zh-TW" altLang="en-US" smtClean="0"/>
+              <a:rPr lang="zh-TW" altLang="en-US"/>
               <a:t>第四層</a:t>
             </a:r>
           </a:p>
           <a:p>
             <a:pPr lvl="4"/>
             <a:r>
-              <a:rPr lang="zh-TW" altLang="en-US" smtClean="0"/>
+              <a:rPr lang="zh-TW" altLang="en-US"/>
               <a:t>第五層</a:t>
             </a:r>
-            <a:endParaRPr lang="zh-TW" altLang="en-US"/>
           </a:p>
         </p:txBody>
       </p:sp>
@@ -3939,7 +3913,7 @@
           <a:p>
             <a:fld id="{7E01816E-A798-40B1-9CAF-6C427B6C465B}" type="datetime1">
               <a:rPr lang="zh-TW" altLang="en-US" smtClean="0"/>
-              <a:t>2019/8/21</a:t>
+              <a:t>2019/8/22</a:t>
             </a:fld>
             <a:endParaRPr lang="zh-TW" altLang="en-US"/>
           </a:p>
@@ -4361,11 +4335,11 @@
           <a:lstStyle/>
           <a:p>
             <a:r>
-              <a:rPr lang="en-US" altLang="zh-TW" dirty="0" err="1" smtClean="0"/>
+              <a:rPr lang="en-US" altLang="zh-TW" dirty="0" err="1"/>
               <a:t>emr</a:t>
             </a:r>
             <a:r>
-              <a:rPr lang="en-US" altLang="zh-TW" dirty="0" smtClean="0"/>
+              <a:rPr lang="en-US" altLang="zh-TW" dirty="0"/>
               <a:t> R package </a:t>
             </a:r>
             <a:endParaRPr lang="zh-TW" altLang="en-US" dirty="0"/>
@@ -4388,8 +4362,8 @@
           <a:lstStyle/>
           <a:p>
             <a:r>
-              <a:rPr lang="en-US" altLang="zh-TW" dirty="0" smtClean="0"/>
-              <a:t>2019/04/29</a:t>
+              <a:rPr lang="en-US" altLang="zh-TW" dirty="0"/>
+              <a:t>2019/08/22</a:t>
             </a:r>
             <a:endParaRPr lang="zh-TW" altLang="en-US" dirty="0"/>
           </a:p>
@@ -4405,13 +4379,6 @@
   <p:clrMapOvr>
     <a:masterClrMapping/>
   </p:clrMapOvr>
-  <p:timing>
-    <p:tnLst>
-      <p:par>
-        <p:cTn id="1" dur="indefinite" restart="never" nodeType="tmRoot"/>
-      </p:par>
-    </p:tnLst>
-  </p:timing>
 </p:sld>
 </file>
 
@@ -4661,11 +4628,11 @@
           <a:lstStyle/>
           <a:p>
             <a:r>
-              <a:rPr lang="en-US" altLang="zh-TW" dirty="0" err="1" smtClean="0"/>
+              <a:rPr lang="en-US" altLang="zh-TW" dirty="0" err="1"/>
               <a:t>groupingFunction</a:t>
             </a:r>
             <a:r>
-              <a:rPr lang="en-US" altLang="zh-TW" dirty="0" smtClean="0"/>
+              <a:rPr lang="en-US" altLang="zh-TW" dirty="0"/>
               <a:t>()$_____</a:t>
             </a:r>
           </a:p>
@@ -4693,12 +4660,8 @@
           <a:lstStyle/>
           <a:p>
             <a:r>
-              <a:rPr lang="en-US" altLang="zh-TW" dirty="0" smtClean="0"/>
-              <a:t>Exploratory </a:t>
-            </a:r>
-            <a:r>
               <a:rPr lang="en-US" altLang="zh-TW" dirty="0"/>
-              <a:t>data analysis (EDA) preparation</a:t>
+              <a:t>Exploratory data analysis (EDA) preparation</a:t>
             </a:r>
             <a:endParaRPr lang="zh-TW" altLang="en-US" dirty="0"/>
           </a:p>
@@ -5092,14 +5055,14 @@
               <a:buAutoNum type="arabicPeriod" startAt="2"/>
             </a:pPr>
             <a:r>
-              <a:rPr lang="en-US" altLang="zh-TW" dirty="0" smtClean="0"/>
+              <a:rPr lang="en-US" altLang="zh-TW" dirty="0"/>
               <a:t>Data selection</a:t>
             </a:r>
           </a:p>
           <a:p>
             <a:pPr lvl="1"/>
             <a:r>
-              <a:rPr lang="en-US" altLang="zh-TW" dirty="0" smtClean="0"/>
+              <a:rPr lang="en-US" altLang="zh-TW" dirty="0"/>
               <a:t>Case selection</a:t>
             </a:r>
           </a:p>
@@ -5107,7 +5070,7 @@
             <a:endParaRPr lang="en-US" altLang="zh-TW" dirty="0"/>
           </a:p>
           <a:p>
-            <a:endParaRPr lang="en-US" altLang="zh-TW" dirty="0" smtClean="0"/>
+            <a:endParaRPr lang="en-US" altLang="zh-TW" dirty="0"/>
           </a:p>
           <a:p>
             <a:pPr marL="0" indent="0">
@@ -5210,27 +5173,19 @@
           <a:lstStyle/>
           <a:p>
             <a:r>
-              <a:rPr lang="en-US" altLang="zh-TW" dirty="0" smtClean="0"/>
-              <a:t>Condition</a:t>
-            </a:r>
-            <a:r>
               <a:rPr lang="en-US" altLang="zh-TW" dirty="0"/>
-              <a:t>: </a:t>
-            </a:r>
-            <a:r>
-              <a:rPr lang="en-US" altLang="zh-TW" dirty="0" smtClean="0"/>
-              <a:t>Shock (CCSLVL3)</a:t>
-            </a:r>
-          </a:p>
-          <a:p>
-            <a:r>
-              <a:rPr lang="en-US" altLang="zh-TW" dirty="0" smtClean="0"/>
+              <a:t>Condition: Shock (CCSLVL3)</a:t>
+            </a:r>
+          </a:p>
+          <a:p>
+            <a:r>
+              <a:rPr lang="en-US" altLang="zh-TW" dirty="0"/>
               <a:t>ICD number: 2</a:t>
             </a:r>
           </a:p>
           <a:p>
             <a:r>
-              <a:rPr lang="en-US" altLang="zh-TW" dirty="0" smtClean="0"/>
+              <a:rPr lang="en-US" altLang="zh-TW" dirty="0"/>
               <a:t>Range of days: 30~365 days</a:t>
             </a:r>
           </a:p>
@@ -5649,7 +5604,7 @@
           <a:lstStyle/>
           <a:p>
             <a:r>
-              <a:rPr lang="en-US" altLang="zh-TW" dirty="0" smtClean="0">
+              <a:rPr lang="en-US" altLang="zh-TW" dirty="0">
                 <a:solidFill>
                   <a:srgbClr val="FF0000"/>
                 </a:solidFill>
@@ -5687,7 +5642,7 @@
           <a:lstStyle/>
           <a:p>
             <a:r>
-              <a:rPr lang="en-US" altLang="zh-TW" sz="1400" dirty="0" smtClean="0"/>
+              <a:rPr lang="en-US" altLang="zh-TW" sz="1400" dirty="0"/>
               <a:t>2008/03/01</a:t>
             </a:r>
             <a:endParaRPr lang="zh-TW" altLang="en-US" sz="1400" dirty="0"/>
@@ -5717,7 +5672,7 @@
           <a:lstStyle/>
           <a:p>
             <a:r>
-              <a:rPr lang="en-US" altLang="zh-TW" sz="1400" dirty="0" smtClean="0"/>
+              <a:rPr lang="en-US" altLang="zh-TW" sz="1400" dirty="0"/>
               <a:t>2008/02/01</a:t>
             </a:r>
             <a:endParaRPr lang="zh-TW" altLang="en-US" sz="1400" dirty="0"/>
@@ -5747,7 +5702,7 @@
           <a:lstStyle/>
           <a:p>
             <a:r>
-              <a:rPr lang="en-US" altLang="zh-TW" sz="1400" dirty="0" smtClean="0"/>
+              <a:rPr lang="en-US" altLang="zh-TW" sz="1400" dirty="0"/>
               <a:t>2007/12/01</a:t>
             </a:r>
             <a:endParaRPr lang="zh-TW" altLang="en-US" sz="1400" dirty="0"/>
@@ -5777,7 +5732,7 @@
           <a:lstStyle/>
           <a:p>
             <a:r>
-              <a:rPr lang="en-US" altLang="zh-TW" sz="1400" dirty="0" smtClean="0"/>
+              <a:rPr lang="en-US" altLang="zh-TW" sz="1400" dirty="0"/>
               <a:t>2007/11/01</a:t>
             </a:r>
             <a:endParaRPr lang="zh-TW" altLang="en-US" sz="1400" dirty="0"/>
@@ -5861,14 +5816,14 @@
               <a:buAutoNum type="arabicPeriod" startAt="3"/>
             </a:pPr>
             <a:r>
-              <a:rPr lang="en-US" altLang="zh-TW" dirty="0" smtClean="0"/>
+              <a:rPr lang="en-US" altLang="zh-TW" dirty="0"/>
               <a:t>Data selection</a:t>
             </a:r>
           </a:p>
           <a:p>
             <a:pPr lvl="1"/>
             <a:r>
-              <a:rPr lang="en-US" altLang="zh-TW" dirty="0" smtClean="0"/>
+              <a:rPr lang="en-US" altLang="zh-TW" dirty="0"/>
               <a:t>Data split</a:t>
             </a:r>
           </a:p>
@@ -6228,7 +6183,7 @@
           <a:lstStyle/>
           <a:p>
             <a:r>
-              <a:rPr lang="en-US" altLang="zh-TW" sz="1400" dirty="0" smtClean="0"/>
+              <a:rPr lang="en-US" altLang="zh-TW" sz="1400" dirty="0"/>
               <a:t>Gap</a:t>
             </a:r>
             <a:endParaRPr lang="zh-TW" altLang="en-US" sz="1400" dirty="0"/>
@@ -6269,13 +6224,6 @@
   <p:clrMapOvr>
     <a:masterClrMapping/>
   </p:clrMapOvr>
-  <p:timing>
-    <p:tnLst>
-      <p:par>
-        <p:cTn id="1" dur="indefinite" restart="never" nodeType="tmRoot"/>
-      </p:par>
-    </p:tnLst>
-  </p:timing>
 </p:sld>
 </file>
 
@@ -6373,7 +6321,7 @@
               <a:buAutoNum type="arabicPeriod" startAt="4"/>
             </a:pPr>
             <a:r>
-              <a:rPr lang="en-US" altLang="zh-TW" dirty="0" smtClean="0"/>
+              <a:rPr lang="en-US" altLang="zh-TW" dirty="0"/>
               <a:t>Condition era calculation</a:t>
             </a:r>
             <a:endParaRPr lang="zh-TW" altLang="en-US" dirty="0"/>
@@ -7071,7 +7019,7 @@
           </a:lstStyle>
           <a:p>
             <a:r>
-              <a:rPr lang="en-US" altLang="zh-TW" dirty="0" smtClean="0"/>
+              <a:rPr lang="en-US" altLang="zh-TW" dirty="0"/>
               <a:t>Data format transformation</a:t>
             </a:r>
             <a:endParaRPr lang="zh-TW" altLang="en-US" dirty="0"/>
@@ -7141,7 +7089,7 @@
           </a:lstStyle>
           <a:p>
             <a:r>
-              <a:rPr lang="en-US" altLang="zh-TW" b="1" dirty="0" smtClean="0"/>
+              <a:rPr lang="en-US" altLang="zh-TW" b="1" dirty="0"/>
               <a:t>EDA preparation</a:t>
             </a:r>
             <a:endParaRPr lang="zh-TW" altLang="en-US" b="1" dirty="0"/>
@@ -7267,21 +7215,6 @@
   <p:clrMapOvr>
     <a:masterClrMapping/>
   </p:clrMapOvr>
-  <mc:AlternateContent xmlns:mc="http://schemas.openxmlformats.org/markup-compatibility/2006" xmlns:p14="http://schemas.microsoft.com/office/powerpoint/2010/main">
-    <mc:Choice Requires="p14">
-      <p:transition spd="slow" p14:dur="2000"/>
-    </mc:Choice>
-    <mc:Fallback xmlns="">
-      <p:transition spd="slow"/>
-    </mc:Fallback>
-  </mc:AlternateContent>
-  <p:timing>
-    <p:tnLst>
-      <p:par>
-        <p:cTn id="1" dur="indefinite" restart="never" nodeType="tmRoot"/>
-      </p:par>
-    </p:tnLst>
-  </p:timing>
 </p:sld>
 </file>
 
@@ -7318,7 +7251,7 @@
           <a:lstStyle/>
           <a:p>
             <a:r>
-              <a:rPr lang="en-US" altLang="zh-TW" dirty="0" smtClean="0"/>
+              <a:rPr lang="en-US" altLang="zh-TW" dirty="0"/>
               <a:t>RESULT</a:t>
             </a:r>
             <a:endParaRPr lang="zh-TW" altLang="en-US" dirty="0"/>
@@ -7346,34 +7279,21 @@
           <a:lstStyle/>
           <a:p>
             <a:r>
-              <a:rPr lang="en-US" altLang="zh-TW" dirty="0" smtClean="0"/>
-              <a:t>Population: 7833 </a:t>
-            </a:r>
-            <a:r>
               <a:rPr lang="en-US" altLang="zh-TW" dirty="0"/>
-              <a:t>patients with </a:t>
-            </a:r>
-            <a:r>
-              <a:rPr lang="en-US" altLang="zh-TW" dirty="0" smtClean="0"/>
-              <a:t>45674 </a:t>
-            </a:r>
+              <a:t>Population: 7833 patients with 45674 admissions</a:t>
+            </a:r>
+          </a:p>
+          <a:p>
+            <a:pPr lvl="1"/>
             <a:r>
               <a:rPr lang="en-US" altLang="zh-TW" dirty="0"/>
-              <a:t>admissions</a:t>
-            </a:r>
-            <a:endParaRPr lang="en-US" altLang="zh-TW" dirty="0" smtClean="0"/>
+              <a:t>Case (PDA): 381</a:t>
+            </a:r>
           </a:p>
           <a:p>
             <a:pPr lvl="1"/>
             <a:r>
-              <a:rPr lang="en-US" altLang="zh-TW" dirty="0" smtClean="0"/>
-              <a:t>Case (PDA): 381</a:t>
-            </a:r>
-          </a:p>
-          <a:p>
-            <a:pPr lvl="1"/>
-            <a:r>
-              <a:rPr lang="en-US" altLang="zh-TW" dirty="0" smtClean="0"/>
+              <a:rPr lang="en-US" altLang="zh-TW" dirty="0"/>
               <a:t>Control (non-PDA): 7452</a:t>
             </a:r>
             <a:endParaRPr lang="zh-TW" altLang="en-US" dirty="0"/>
@@ -7403,21 +7323,13 @@
           <a:lstStyle/>
           <a:p>
             <a:r>
-              <a:rPr lang="en-US" altLang="zh-TW" dirty="0" smtClean="0"/>
-              <a:t>Condition</a:t>
-            </a:r>
-            <a:r>
               <a:rPr lang="en-US" altLang="zh-TW" dirty="0"/>
-              <a:t>: </a:t>
-            </a:r>
-            <a:r>
-              <a:rPr lang="en-US" altLang="zh-TW" dirty="0" smtClean="0"/>
-              <a:t>7470 (ICD)</a:t>
-            </a:r>
-          </a:p>
-          <a:p>
-            <a:r>
-              <a:rPr lang="en-US" altLang="zh-TW" dirty="0" smtClean="0"/>
+              <a:t>Condition: 7470 (ICD)</a:t>
+            </a:r>
+          </a:p>
+          <a:p>
+            <a:r>
+              <a:rPr lang="en-US" altLang="zh-TW" dirty="0"/>
               <a:t>ICD number: 1</a:t>
             </a:r>
           </a:p>
@@ -7479,14 +7391,6 @@
   <p:clrMapOvr>
     <a:masterClrMapping/>
   </p:clrMapOvr>
-  <mc:AlternateContent xmlns:mc="http://schemas.openxmlformats.org/markup-compatibility/2006" xmlns:p14="http://schemas.microsoft.com/office/powerpoint/2010/main">
-    <mc:Choice Requires="p14">
-      <p:transition spd="slow" p14:dur="2000"/>
-    </mc:Choice>
-    <mc:Fallback xmlns="">
-      <p:transition spd="slow"/>
-    </mc:Fallback>
-  </mc:AlternateContent>
   <p:timing>
     <p:tnLst>
       <p:par>
@@ -7631,7 +7535,7 @@
           <a:lstStyle/>
           <a:p>
             <a:r>
-              <a:rPr lang="en-US" altLang="zh-TW" dirty="0" err="1" smtClean="0"/>
+              <a:rPr lang="en-US" altLang="zh-TW" dirty="0" err="1"/>
               <a:t>Charlson</a:t>
             </a:r>
             <a:endParaRPr lang="zh-TW" altLang="en-US" dirty="0"/>
@@ -7952,14 +7856,6 @@
   <p:clrMapOvr>
     <a:masterClrMapping/>
   </p:clrMapOvr>
-  <mc:AlternateContent xmlns:mc="http://schemas.openxmlformats.org/markup-compatibility/2006" xmlns:p14="http://schemas.microsoft.com/office/powerpoint/2010/main">
-    <mc:Choice Requires="p14">
-      <p:transition spd="slow" p14:dur="2000"/>
-    </mc:Choice>
-    <mc:Fallback xmlns="">
-      <p:transition spd="slow"/>
-    </mc:Fallback>
-  </mc:AlternateContent>
   <p:timing>
     <p:tnLst>
       <p:par>
@@ -8258,7 +8154,7 @@
           <a:lstStyle/>
           <a:p>
             <a:r>
-              <a:rPr lang="en-US" altLang="zh-TW" dirty="0" smtClean="0"/>
+              <a:rPr lang="en-US" altLang="zh-TW" dirty="0"/>
               <a:t>AHRQ</a:t>
             </a:r>
             <a:endParaRPr lang="zh-TW" altLang="en-US" dirty="0"/>
@@ -8711,7 +8607,7 @@
           <a:lstStyle/>
           <a:p>
             <a:r>
-              <a:rPr lang="en-US" altLang="zh-TW" dirty="0" err="1" smtClean="0"/>
+              <a:rPr lang="en-US" altLang="zh-TW" dirty="0" err="1"/>
               <a:t>Elix</a:t>
             </a:r>
             <a:endParaRPr lang="zh-TW" altLang="en-US" dirty="0"/>
@@ -9151,21 +9047,6 @@
   <p:clrMapOvr>
     <a:masterClrMapping/>
   </p:clrMapOvr>
-  <mc:AlternateContent xmlns:mc="http://schemas.openxmlformats.org/markup-compatibility/2006" xmlns:p14="http://schemas.microsoft.com/office/powerpoint/2010/main">
-    <mc:Choice Requires="p14">
-      <p:transition spd="slow" p14:dur="2000"/>
-    </mc:Choice>
-    <mc:Fallback xmlns="">
-      <p:transition spd="slow"/>
-    </mc:Fallback>
-  </mc:AlternateContent>
-  <p:timing>
-    <p:tnLst>
-      <p:par>
-        <p:cTn id="1" dur="indefinite" restart="never" nodeType="tmRoot"/>
-      </p:par>
-    </p:tnLst>
-  </p:timing>
 </p:sld>
 </file>
 
@@ -9310,15 +9191,15 @@
           <a:lstStyle/>
           <a:p>
             <a:r>
-              <a:rPr lang="en-US" altLang="zh-TW" dirty="0" smtClean="0"/>
+              <a:rPr lang="en-US" altLang="zh-TW" dirty="0"/>
               <a:t>Fig 1. overview of </a:t>
             </a:r>
             <a:r>
-              <a:rPr lang="en-US" altLang="zh-TW" dirty="0" err="1" smtClean="0"/>
+              <a:rPr lang="en-US" altLang="zh-TW" dirty="0" err="1"/>
               <a:t>emr</a:t>
             </a:r>
             <a:r>
-              <a:rPr lang="en-US" altLang="zh-TW" dirty="0" smtClean="0"/>
+              <a:rPr lang="en-US" altLang="zh-TW" dirty="0"/>
               <a:t> package</a:t>
             </a:r>
             <a:endParaRPr lang="zh-TW" altLang="en-US" dirty="0"/>
@@ -9335,13 +9216,6 @@
   <p:clrMapOvr>
     <a:masterClrMapping/>
   </p:clrMapOvr>
-  <p:timing>
-    <p:tnLst>
-      <p:par>
-        <p:cTn id="1" dur="indefinite" restart="never" nodeType="tmRoot"/>
-      </p:par>
-    </p:tnLst>
-  </p:timing>
 </p:sld>
 </file>
 
@@ -9571,7 +9445,7 @@
           <a:lstStyle/>
           <a:p>
             <a:r>
-              <a:rPr lang="en-US" altLang="zh-TW" dirty="0" smtClean="0"/>
+              <a:rPr lang="en-US" altLang="zh-TW" dirty="0"/>
               <a:t>2016/01/01: icd10 </a:t>
             </a:r>
             <a:endParaRPr lang="zh-TW" altLang="en-US" dirty="0"/>
@@ -10092,7 +9966,7 @@
           <a:lstStyle/>
           <a:p>
             <a:r>
-              <a:rPr lang="en-US" altLang="zh-TW" dirty="0" smtClean="0"/>
+              <a:rPr lang="en-US" altLang="zh-TW" dirty="0"/>
               <a:t>MATERIAL (MIMIC)</a:t>
             </a:r>
             <a:endParaRPr lang="zh-TW" altLang="en-US" dirty="0"/>
@@ -10999,34 +10873,21 @@
           <a:lstStyle/>
           <a:p>
             <a:r>
-              <a:rPr lang="en-US" altLang="zh-TW" dirty="0" smtClean="0"/>
-              <a:t>Population: 7833 </a:t>
-            </a:r>
-            <a:r>
               <a:rPr lang="en-US" altLang="zh-TW" dirty="0"/>
-              <a:t>patients with </a:t>
-            </a:r>
-            <a:r>
-              <a:rPr lang="en-US" altLang="zh-TW" dirty="0" smtClean="0"/>
-              <a:t>45674 </a:t>
-            </a:r>
+              <a:t>Population: 7833 patients with 45674 admissions</a:t>
+            </a:r>
+          </a:p>
+          <a:p>
+            <a:pPr lvl="1"/>
             <a:r>
               <a:rPr lang="en-US" altLang="zh-TW" dirty="0"/>
-              <a:t>admissions</a:t>
-            </a:r>
-            <a:endParaRPr lang="en-US" altLang="zh-TW" dirty="0" smtClean="0"/>
+              <a:t>Case (PDA): 381</a:t>
+            </a:r>
           </a:p>
           <a:p>
             <a:pPr lvl="1"/>
             <a:r>
-              <a:rPr lang="en-US" altLang="zh-TW" dirty="0" smtClean="0"/>
-              <a:t>Case (PDA): 381</a:t>
-            </a:r>
-          </a:p>
-          <a:p>
-            <a:pPr lvl="1"/>
-            <a:r>
-              <a:rPr lang="en-US" altLang="zh-TW" dirty="0" smtClean="0"/>
+              <a:rPr lang="en-US" altLang="zh-TW" dirty="0"/>
               <a:t>Control (non-PDA): 7452</a:t>
             </a:r>
             <a:endParaRPr lang="zh-TW" altLang="en-US" dirty="0"/>
@@ -11090,21 +10951,6 @@
   <p:clrMapOvr>
     <a:masterClrMapping/>
   </p:clrMapOvr>
-  <mc:AlternateContent xmlns:mc="http://schemas.openxmlformats.org/markup-compatibility/2006" xmlns:p14="http://schemas.microsoft.com/office/powerpoint/2010/main">
-    <mc:Choice Requires="p14">
-      <p:transition spd="slow" p14:dur="2000"/>
-    </mc:Choice>
-    <mc:Fallback xmlns="">
-      <p:transition spd="slow"/>
-    </mc:Fallback>
-  </mc:AlternateContent>
-  <p:timing>
-    <p:tnLst>
-      <p:par>
-        <p:cTn id="1" dur="indefinite" restart="never" nodeType="tmRoot"/>
-      </p:par>
-    </p:tnLst>
-  </p:timing>
 </p:sld>
 </file>
 
@@ -11141,7 +10987,7 @@
           <a:lstStyle/>
           <a:p>
             <a:r>
-              <a:rPr lang="en-US" altLang="zh-TW" dirty="0" smtClean="0"/>
+              <a:rPr lang="en-US" altLang="zh-TW" dirty="0"/>
               <a:t>METHOD</a:t>
             </a:r>
             <a:endParaRPr lang="zh-TW" altLang="en-US" dirty="0"/>
@@ -11164,29 +11010,29 @@
           <a:lstStyle/>
           <a:p>
             <a:r>
-              <a:rPr lang="en-US" altLang="zh-TW" dirty="0" smtClean="0"/>
+              <a:rPr lang="en-US" altLang="zh-TW" dirty="0"/>
               <a:t>Code transformation</a:t>
             </a:r>
           </a:p>
           <a:p>
             <a:r>
-              <a:rPr lang="en-US" altLang="zh-TW" dirty="0" smtClean="0"/>
+              <a:rPr lang="en-US" altLang="zh-TW" dirty="0"/>
               <a:t>Data integration </a:t>
             </a:r>
           </a:p>
           <a:p>
             <a:r>
-              <a:rPr lang="en-US" altLang="zh-TW" dirty="0" smtClean="0"/>
+              <a:rPr lang="en-US" altLang="zh-TW" dirty="0"/>
               <a:t>Exploratory data analysis (EDA) preparation</a:t>
             </a:r>
-            <a:endParaRPr lang="zh-TW" altLang="en-US" dirty="0" smtClean="0"/>
-          </a:p>
-          <a:p>
-            <a:r>
-              <a:rPr lang="en-US" altLang="zh-TW" dirty="0" smtClean="0"/>
+            <a:endParaRPr lang="zh-TW" altLang="en-US" dirty="0"/>
+          </a:p>
+          <a:p>
+            <a:r>
+              <a:rPr lang="en-US" altLang="zh-TW" dirty="0"/>
               <a:t>Visualization</a:t>
             </a:r>
-            <a:endParaRPr lang="zh-TW" altLang="en-US" dirty="0" smtClean="0"/>
+            <a:endParaRPr lang="zh-TW" altLang="en-US" dirty="0"/>
           </a:p>
           <a:p>
             <a:endParaRPr lang="zh-TW" altLang="en-US" dirty="0"/>
@@ -11326,21 +11172,6 @@
   <p:clrMapOvr>
     <a:masterClrMapping/>
   </p:clrMapOvr>
-  <mc:AlternateContent xmlns:mc="http://schemas.openxmlformats.org/markup-compatibility/2006" xmlns:p14="http://schemas.microsoft.com/office/powerpoint/2010/main">
-    <mc:Choice Requires="p14">
-      <p:transition spd="slow" p14:dur="2000"/>
-    </mc:Choice>
-    <mc:Fallback xmlns="">
-      <p:transition spd="slow"/>
-    </mc:Fallback>
-  </mc:AlternateContent>
-  <p:timing>
-    <p:tnLst>
-      <p:par>
-        <p:cTn id="1" dur="indefinite" restart="never" nodeType="tmRoot"/>
-      </p:par>
-    </p:tnLst>
-  </p:timing>
 </p:sld>
 </file>
 
@@ -11729,21 +11560,6 @@
   <p:clrMapOvr>
     <a:masterClrMapping/>
   </p:clrMapOvr>
-  <mc:AlternateContent xmlns:mc="http://schemas.openxmlformats.org/markup-compatibility/2006" xmlns:p14="http://schemas.microsoft.com/office/powerpoint/2010/main">
-    <mc:Choice Requires="p14">
-      <p:transition spd="slow" p14:dur="2000"/>
-    </mc:Choice>
-    <mc:Fallback xmlns="">
-      <p:transition spd="slow"/>
-    </mc:Fallback>
-  </mc:AlternateContent>
-  <p:timing>
-    <p:tnLst>
-      <p:par>
-        <p:cTn id="1" dur="indefinite" restart="never" nodeType="tmRoot"/>
-      </p:par>
-    </p:tnLst>
-  </p:timing>
 </p:sld>
 </file>
 
@@ -11897,14 +11713,7 @@
                 <a:ea typeface="Times New Roman" panose="02020603050405020304" pitchFamily="18" charset="0"/>
                 <a:cs typeface="Times New Roman" panose="02020603050405020304" pitchFamily="18" charset="0"/>
               </a:rPr>
-              <a:t>Figure 2: overview warning message of </a:t>
-            </a:r>
-            <a:r>
-              <a:rPr lang="en-US" altLang="zh-TW" kern="100" dirty="0" smtClean="0">
-                <a:ea typeface="Times New Roman" panose="02020603050405020304" pitchFamily="18" charset="0"/>
-                <a:cs typeface="Times New Roman" panose="02020603050405020304" pitchFamily="18" charset="0"/>
-              </a:rPr>
-              <a:t>code transformation</a:t>
+              <a:t>Figure 2: overview warning message of code transformation</a:t>
             </a:r>
             <a:endParaRPr lang="zh-TW" altLang="zh-TW" kern="100" dirty="0">
               <a:ea typeface="Times New Roman" panose="02020603050405020304" pitchFamily="18" charset="0"/>
@@ -11938,23 +11747,23 @@
           <a:lstStyle/>
           <a:p>
             <a:r>
-              <a:rPr lang="en-US" altLang="zh-TW" sz="1200" dirty="0" smtClean="0"/>
+              <a:rPr lang="en-US" altLang="zh-TW" sz="1200" dirty="0"/>
               <a:t>At step 3:</a:t>
             </a:r>
           </a:p>
           <a:p>
             <a:r>
-              <a:rPr lang="en-US" altLang="zh-TW" sz="1200" dirty="0" smtClean="0"/>
+              <a:rPr lang="en-US" altLang="zh-TW" sz="1200" dirty="0"/>
               <a:t>NA: wrong format</a:t>
             </a:r>
           </a:p>
           <a:p>
             <a:r>
-              <a:rPr lang="en-US" altLang="zh-TW" sz="1200" dirty="0" err="1" smtClean="0"/>
+              <a:rPr lang="en-US" altLang="zh-TW" sz="1200" dirty="0" err="1"/>
               <a:t>nonNA</a:t>
             </a:r>
             <a:r>
-              <a:rPr lang="en-US" altLang="zh-TW" sz="1200" dirty="0" smtClean="0"/>
+              <a:rPr lang="en-US" altLang="zh-TW" sz="1200" dirty="0"/>
               <a:t>: wrong version</a:t>
             </a:r>
             <a:endParaRPr lang="zh-TW" altLang="en-US" sz="1200" dirty="0"/>
@@ -12054,21 +11863,6 @@
   <p:clrMapOvr>
     <a:masterClrMapping/>
   </p:clrMapOvr>
-  <mc:AlternateContent xmlns:mc="http://schemas.openxmlformats.org/markup-compatibility/2006" xmlns:p14="http://schemas.microsoft.com/office/powerpoint/2010/main">
-    <mc:Choice Requires="p14">
-      <p:transition spd="slow" p14:dur="2000"/>
-    </mc:Choice>
-    <mc:Fallback xmlns="">
-      <p:transition spd="slow"/>
-    </mc:Fallback>
-  </mc:AlternateContent>
-  <p:timing>
-    <p:tnLst>
-      <p:par>
-        <p:cTn id="1" dur="indefinite" restart="never" nodeType="tmRoot"/>
-      </p:par>
-    </p:tnLst>
-  </p:timing>
 </p:sld>
 </file>
 
@@ -12166,46 +11960,33 @@
               <a:buAutoNum type="arabicPeriod"/>
             </a:pPr>
             <a:r>
-              <a:rPr lang="en-US" altLang="zh-TW" dirty="0" smtClean="0"/>
+              <a:rPr lang="en-US" altLang="zh-TW" dirty="0"/>
               <a:t>code classification</a:t>
             </a:r>
           </a:p>
           <a:p>
             <a:pPr marL="600075" lvl="1" indent="-342900"/>
             <a:r>
-              <a:rPr lang="en-US" altLang="zh-TW" dirty="0" smtClean="0"/>
-              <a:t>Clinical </a:t>
-            </a:r>
-            <a:r>
               <a:rPr lang="en-US" altLang="zh-TW" dirty="0"/>
-              <a:t>Classifications Software (</a:t>
-            </a:r>
-            <a:r>
-              <a:rPr lang="en-US" altLang="zh-TW" dirty="0" smtClean="0"/>
-              <a:t>CCS, CCSLVL)</a:t>
+              <a:t>Clinical Classifications Software (CCS, CCSLVL)</a:t>
             </a:r>
           </a:p>
           <a:p>
             <a:pPr marL="600075" lvl="1" indent="-342900"/>
             <a:r>
-              <a:rPr lang="en-US" altLang="zh-TW" dirty="0" err="1" smtClean="0"/>
+              <a:rPr lang="en-US" altLang="zh-TW" dirty="0" err="1"/>
               <a:t>pheWAS</a:t>
             </a:r>
             <a:r>
               <a:rPr lang="en-US" altLang="zh-TW" dirty="0"/>
               <a:t> </a:t>
             </a:r>
-            <a:endParaRPr lang="en-US" altLang="zh-TW" dirty="0" smtClean="0"/>
           </a:p>
           <a:p>
             <a:pPr marL="600075" lvl="1" indent="-342900"/>
             <a:r>
-              <a:rPr lang="en-US" altLang="zh-TW" dirty="0" smtClean="0"/>
-              <a:t>comorbidity </a:t>
-            </a:r>
-            <a:r>
               <a:rPr lang="en-US" altLang="zh-TW" dirty="0"/>
-              <a:t>(</a:t>
+              <a:t>comorbidity (</a:t>
             </a:r>
             <a:r>
               <a:rPr lang="en-US" altLang="zh-TW" dirty="0" err="1"/>
@@ -12221,26 +12002,14 @@
             </a:r>
             <a:r>
               <a:rPr lang="en-US" altLang="zh-TW" dirty="0"/>
-              <a:t>, and AHRQ</a:t>
-            </a:r>
-            <a:r>
-              <a:rPr lang="en-US" altLang="zh-TW" dirty="0" smtClean="0"/>
-              <a:t>)</a:t>
+              <a:t>, and AHRQ)</a:t>
             </a:r>
           </a:p>
           <a:p>
             <a:pPr marL="600075" lvl="1" indent="-342900"/>
             <a:r>
-              <a:rPr lang="en-US" altLang="zh-TW" dirty="0" smtClean="0"/>
-              <a:t>customized </a:t>
-            </a:r>
-            <a:r>
               <a:rPr lang="en-US" altLang="zh-TW" dirty="0"/>
-              <a:t>defined grouping </a:t>
-            </a:r>
-            <a:r>
-              <a:rPr lang="en-US" altLang="zh-TW" dirty="0" smtClean="0"/>
-              <a:t>methods</a:t>
+              <a:t>customized defined grouping methods</a:t>
             </a:r>
             <a:endParaRPr lang="zh-TW" altLang="zh-TW" dirty="0"/>
           </a:p>
@@ -12414,21 +12183,6 @@
   <p:clrMapOvr>
     <a:masterClrMapping/>
   </p:clrMapOvr>
-  <mc:AlternateContent xmlns:mc="http://schemas.openxmlformats.org/markup-compatibility/2006" xmlns:p14="http://schemas.microsoft.com/office/powerpoint/2010/main">
-    <mc:Choice Requires="p14">
-      <p:transition spd="slow" p14:dur="2000"/>
-    </mc:Choice>
-    <mc:Fallback xmlns="">
-      <p:transition spd="slow"/>
-    </mc:Fallback>
-  </mc:AlternateContent>
-  <p:timing>
-    <p:tnLst>
-      <p:par>
-        <p:cTn id="1" dur="indefinite" restart="never" nodeType="tmRoot"/>
-      </p:par>
-    </p:tnLst>
-  </p:timing>
 </p:sld>
 </file>
 
